--- a/Проект инкрементальной загрузки транзакций на сервер базы данных.pptx
+++ b/Проект инкрементальной загрузки транзакций на сервер базы данных.pptx
@@ -203,7 +203,7 @@
           <a:p>
             <a:fld id="{71187F9B-21AA-4BE1-9D50-4674EF831CD9}" type="datetimeFigureOut">
               <a:rPr lang="ru-RU" smtClean="0"/>
-              <a:t>11.11.2021</a:t>
+              <a:t>27.11.2021</a:t>
             </a:fld>
             <a:endParaRPr lang="ru-RU" dirty="0"/>
           </a:p>
@@ -736,7 +736,7 @@
           <a:p>
             <a:fld id="{98F11C9D-84CF-401C-AE25-F5394F9ED7BC}" type="datetimeFigureOut">
               <a:rPr lang="ru-RU" smtClean="0"/>
-              <a:t>11.11.2021</a:t>
+              <a:t>27.11.2021</a:t>
             </a:fld>
             <a:endParaRPr lang="ru-RU" dirty="0"/>
           </a:p>
@@ -794,13 +794,13 @@
   <p:clrMapOvr>
     <a:masterClrMapping/>
   </p:clrMapOvr>
-  <mc:AlternateContent xmlns:mc="http://schemas.openxmlformats.org/markup-compatibility/2006">
-    <mc:Choice xmlns:p14="http://schemas.microsoft.com/office/powerpoint/2010/main" Requires="p14">
+  <mc:AlternateContent xmlns:mc="http://schemas.openxmlformats.org/markup-compatibility/2006" xmlns:p14="http://schemas.microsoft.com/office/powerpoint/2010/main">
+    <mc:Choice Requires="p14">
       <p:transition spd="slow">
         <p14:reveal/>
       </p:transition>
     </mc:Choice>
-    <mc:Fallback>
+    <mc:Fallback xmlns="">
       <p:transition spd="slow">
         <p:fade/>
       </p:transition>
@@ -918,7 +918,7 @@
           <a:p>
             <a:fld id="{98F11C9D-84CF-401C-AE25-F5394F9ED7BC}" type="datetimeFigureOut">
               <a:rPr lang="ru-RU" smtClean="0"/>
-              <a:t>11.11.2021</a:t>
+              <a:t>27.11.2021</a:t>
             </a:fld>
             <a:endParaRPr lang="ru-RU" dirty="0"/>
           </a:p>
@@ -976,13 +976,13 @@
   <p:clrMapOvr>
     <a:masterClrMapping/>
   </p:clrMapOvr>
-  <mc:AlternateContent xmlns:mc="http://schemas.openxmlformats.org/markup-compatibility/2006">
-    <mc:Choice xmlns:p14="http://schemas.microsoft.com/office/powerpoint/2010/main" Requires="p14">
+  <mc:AlternateContent xmlns:mc="http://schemas.openxmlformats.org/markup-compatibility/2006" xmlns:p14="http://schemas.microsoft.com/office/powerpoint/2010/main">
+    <mc:Choice Requires="p14">
       <p:transition spd="slow">
         <p14:reveal/>
       </p:transition>
     </mc:Choice>
-    <mc:Fallback>
+    <mc:Fallback xmlns="">
       <p:transition spd="slow">
         <p:fade/>
       </p:transition>
@@ -1110,7 +1110,7 @@
           <a:p>
             <a:fld id="{98F11C9D-84CF-401C-AE25-F5394F9ED7BC}" type="datetimeFigureOut">
               <a:rPr lang="ru-RU" smtClean="0"/>
-              <a:t>11.11.2021</a:t>
+              <a:t>27.11.2021</a:t>
             </a:fld>
             <a:endParaRPr lang="ru-RU" dirty="0"/>
           </a:p>
@@ -1168,13 +1168,13 @@
   <p:clrMapOvr>
     <a:masterClrMapping/>
   </p:clrMapOvr>
-  <mc:AlternateContent xmlns:mc="http://schemas.openxmlformats.org/markup-compatibility/2006">
-    <mc:Choice xmlns:p14="http://schemas.microsoft.com/office/powerpoint/2010/main" Requires="p14">
+  <mc:AlternateContent xmlns:mc="http://schemas.openxmlformats.org/markup-compatibility/2006" xmlns:p14="http://schemas.microsoft.com/office/powerpoint/2010/main">
+    <mc:Choice Requires="p14">
       <p:transition spd="slow">
         <p14:reveal/>
       </p:transition>
     </mc:Choice>
-    <mc:Fallback>
+    <mc:Fallback xmlns="">
       <p:transition spd="slow">
         <p:fade/>
       </p:transition>
@@ -1292,7 +1292,7 @@
           <a:p>
             <a:fld id="{98F11C9D-84CF-401C-AE25-F5394F9ED7BC}" type="datetimeFigureOut">
               <a:rPr lang="ru-RU" smtClean="0"/>
-              <a:t>11.11.2021</a:t>
+              <a:t>27.11.2021</a:t>
             </a:fld>
             <a:endParaRPr lang="ru-RU" dirty="0"/>
           </a:p>
@@ -1350,13 +1350,13 @@
   <p:clrMapOvr>
     <a:masterClrMapping/>
   </p:clrMapOvr>
-  <mc:AlternateContent xmlns:mc="http://schemas.openxmlformats.org/markup-compatibility/2006">
-    <mc:Choice xmlns:p14="http://schemas.microsoft.com/office/powerpoint/2010/main" Requires="p14">
+  <mc:AlternateContent xmlns:mc="http://schemas.openxmlformats.org/markup-compatibility/2006" xmlns:p14="http://schemas.microsoft.com/office/powerpoint/2010/main">
+    <mc:Choice Requires="p14">
       <p:transition spd="slow">
         <p14:reveal/>
       </p:transition>
     </mc:Choice>
-    <mc:Fallback>
+    <mc:Fallback xmlns="">
       <p:transition spd="slow">
         <p:fade/>
       </p:transition>
@@ -1550,7 +1550,7 @@
           <a:p>
             <a:fld id="{98F11C9D-84CF-401C-AE25-F5394F9ED7BC}" type="datetimeFigureOut">
               <a:rPr lang="ru-RU" smtClean="0"/>
-              <a:t>11.11.2021</a:t>
+              <a:t>27.11.2021</a:t>
             </a:fld>
             <a:endParaRPr lang="ru-RU" dirty="0"/>
           </a:p>
@@ -1608,13 +1608,13 @@
   <p:clrMapOvr>
     <a:masterClrMapping/>
   </p:clrMapOvr>
-  <mc:AlternateContent xmlns:mc="http://schemas.openxmlformats.org/markup-compatibility/2006">
-    <mc:Choice xmlns:p14="http://schemas.microsoft.com/office/powerpoint/2010/main" Requires="p14">
+  <mc:AlternateContent xmlns:mc="http://schemas.openxmlformats.org/markup-compatibility/2006" xmlns:p14="http://schemas.microsoft.com/office/powerpoint/2010/main">
+    <mc:Choice Requires="p14">
       <p:transition spd="slow">
         <p14:reveal/>
       </p:transition>
     </mc:Choice>
-    <mc:Fallback>
+    <mc:Fallback xmlns="">
       <p:transition spd="slow">
         <p:fade/>
       </p:transition>
@@ -1850,7 +1850,7 @@
           <a:p>
             <a:fld id="{98F11C9D-84CF-401C-AE25-F5394F9ED7BC}" type="datetimeFigureOut">
               <a:rPr lang="ru-RU" smtClean="0"/>
-              <a:t>11.11.2021</a:t>
+              <a:t>27.11.2021</a:t>
             </a:fld>
             <a:endParaRPr lang="ru-RU" dirty="0"/>
           </a:p>
@@ -1908,13 +1908,13 @@
   <p:clrMapOvr>
     <a:masterClrMapping/>
   </p:clrMapOvr>
-  <mc:AlternateContent xmlns:mc="http://schemas.openxmlformats.org/markup-compatibility/2006">
-    <mc:Choice xmlns:p14="http://schemas.microsoft.com/office/powerpoint/2010/main" Requires="p14">
+  <mc:AlternateContent xmlns:mc="http://schemas.openxmlformats.org/markup-compatibility/2006" xmlns:p14="http://schemas.microsoft.com/office/powerpoint/2010/main">
+    <mc:Choice Requires="p14">
       <p:transition spd="slow">
         <p14:reveal/>
       </p:transition>
     </mc:Choice>
-    <mc:Fallback>
+    <mc:Fallback xmlns="">
       <p:transition spd="slow">
         <p:fade/>
       </p:transition>
@@ -2284,7 +2284,7 @@
           <a:p>
             <a:fld id="{98F11C9D-84CF-401C-AE25-F5394F9ED7BC}" type="datetimeFigureOut">
               <a:rPr lang="ru-RU" smtClean="0"/>
-              <a:t>11.11.2021</a:t>
+              <a:t>27.11.2021</a:t>
             </a:fld>
             <a:endParaRPr lang="ru-RU" dirty="0"/>
           </a:p>
@@ -2342,13 +2342,13 @@
   <p:clrMapOvr>
     <a:masterClrMapping/>
   </p:clrMapOvr>
-  <mc:AlternateContent xmlns:mc="http://schemas.openxmlformats.org/markup-compatibility/2006">
-    <mc:Choice xmlns:p14="http://schemas.microsoft.com/office/powerpoint/2010/main" Requires="p14">
+  <mc:AlternateContent xmlns:mc="http://schemas.openxmlformats.org/markup-compatibility/2006" xmlns:p14="http://schemas.microsoft.com/office/powerpoint/2010/main">
+    <mc:Choice Requires="p14">
       <p:transition spd="slow">
         <p14:reveal/>
       </p:transition>
     </mc:Choice>
-    <mc:Fallback>
+    <mc:Fallback xmlns="">
       <p:transition spd="slow">
         <p:fade/>
       </p:transition>
@@ -2414,7 +2414,7 @@
           <a:p>
             <a:fld id="{98F11C9D-84CF-401C-AE25-F5394F9ED7BC}" type="datetimeFigureOut">
               <a:rPr lang="ru-RU" smtClean="0"/>
-              <a:t>11.11.2021</a:t>
+              <a:t>27.11.2021</a:t>
             </a:fld>
             <a:endParaRPr lang="ru-RU" dirty="0"/>
           </a:p>
@@ -2472,13 +2472,13 @@
   <p:clrMapOvr>
     <a:masterClrMapping/>
   </p:clrMapOvr>
-  <mc:AlternateContent xmlns:mc="http://schemas.openxmlformats.org/markup-compatibility/2006">
-    <mc:Choice xmlns:p14="http://schemas.microsoft.com/office/powerpoint/2010/main" Requires="p14">
+  <mc:AlternateContent xmlns:mc="http://schemas.openxmlformats.org/markup-compatibility/2006" xmlns:p14="http://schemas.microsoft.com/office/powerpoint/2010/main">
+    <mc:Choice Requires="p14">
       <p:transition spd="slow">
         <p14:reveal/>
       </p:transition>
     </mc:Choice>
-    <mc:Fallback>
+    <mc:Fallback xmlns="">
       <p:transition spd="slow">
         <p:fade/>
       </p:transition>
@@ -2521,7 +2521,7 @@
           <a:p>
             <a:fld id="{98F11C9D-84CF-401C-AE25-F5394F9ED7BC}" type="datetimeFigureOut">
               <a:rPr lang="ru-RU" smtClean="0"/>
-              <a:t>11.11.2021</a:t>
+              <a:t>27.11.2021</a:t>
             </a:fld>
             <a:endParaRPr lang="ru-RU" dirty="0"/>
           </a:p>
@@ -2579,13 +2579,13 @@
   <p:clrMapOvr>
     <a:masterClrMapping/>
   </p:clrMapOvr>
-  <mc:AlternateContent xmlns:mc="http://schemas.openxmlformats.org/markup-compatibility/2006">
-    <mc:Choice xmlns:p14="http://schemas.microsoft.com/office/powerpoint/2010/main" Requires="p14">
+  <mc:AlternateContent xmlns:mc="http://schemas.openxmlformats.org/markup-compatibility/2006" xmlns:p14="http://schemas.microsoft.com/office/powerpoint/2010/main">
+    <mc:Choice Requires="p14">
       <p:transition spd="slow">
         <p14:reveal/>
       </p:transition>
     </mc:Choice>
-    <mc:Fallback>
+    <mc:Fallback xmlns="">
       <p:transition spd="slow">
         <p:fade/>
       </p:transition>
@@ -2810,7 +2810,7 @@
           <a:p>
             <a:fld id="{98F11C9D-84CF-401C-AE25-F5394F9ED7BC}" type="datetimeFigureOut">
               <a:rPr lang="ru-RU" smtClean="0"/>
-              <a:t>11.11.2021</a:t>
+              <a:t>27.11.2021</a:t>
             </a:fld>
             <a:endParaRPr lang="ru-RU" dirty="0"/>
           </a:p>
@@ -2868,13 +2868,13 @@
   <p:clrMapOvr>
     <a:masterClrMapping/>
   </p:clrMapOvr>
-  <mc:AlternateContent xmlns:mc="http://schemas.openxmlformats.org/markup-compatibility/2006">
-    <mc:Choice xmlns:p14="http://schemas.microsoft.com/office/powerpoint/2010/main" Requires="p14">
+  <mc:AlternateContent xmlns:mc="http://schemas.openxmlformats.org/markup-compatibility/2006" xmlns:p14="http://schemas.microsoft.com/office/powerpoint/2010/main">
+    <mc:Choice Requires="p14">
       <p:transition spd="slow">
         <p14:reveal/>
       </p:transition>
     </mc:Choice>
-    <mc:Fallback>
+    <mc:Fallback xmlns="">
       <p:transition spd="slow">
         <p:fade/>
       </p:transition>
@@ -3075,7 +3075,7 @@
           <a:p>
             <a:fld id="{98F11C9D-84CF-401C-AE25-F5394F9ED7BC}" type="datetimeFigureOut">
               <a:rPr lang="ru-RU" smtClean="0"/>
-              <a:t>11.11.2021</a:t>
+              <a:t>27.11.2021</a:t>
             </a:fld>
             <a:endParaRPr lang="ru-RU" dirty="0"/>
           </a:p>
@@ -3133,13 +3133,13 @@
   <p:clrMapOvr>
     <a:masterClrMapping/>
   </p:clrMapOvr>
-  <mc:AlternateContent xmlns:mc="http://schemas.openxmlformats.org/markup-compatibility/2006">
-    <mc:Choice xmlns:p14="http://schemas.microsoft.com/office/powerpoint/2010/main" Requires="p14">
+  <mc:AlternateContent xmlns:mc="http://schemas.openxmlformats.org/markup-compatibility/2006" xmlns:p14="http://schemas.microsoft.com/office/powerpoint/2010/main">
+    <mc:Choice Requires="p14">
       <p:transition spd="slow">
         <p14:reveal/>
       </p:transition>
     </mc:Choice>
-    <mc:Fallback>
+    <mc:Fallback xmlns="">
       <p:transition spd="slow">
         <p:fade/>
       </p:transition>
@@ -3300,7 +3300,7 @@
           <a:p>
             <a:fld id="{98F11C9D-84CF-401C-AE25-F5394F9ED7BC}" type="datetimeFigureOut">
               <a:rPr lang="ru-RU" smtClean="0"/>
-              <a:t>11.11.2021</a:t>
+              <a:t>27.11.2021</a:t>
             </a:fld>
             <a:endParaRPr lang="ru-RU" dirty="0"/>
           </a:p>
@@ -3405,13 +3405,13 @@
     <p:sldLayoutId id="2147483658" r:id="rId10"/>
     <p:sldLayoutId id="2147483659" r:id="rId11"/>
   </p:sldLayoutIdLst>
-  <mc:AlternateContent xmlns:mc="http://schemas.openxmlformats.org/markup-compatibility/2006">
-    <mc:Choice xmlns:p14="http://schemas.microsoft.com/office/powerpoint/2010/main" Requires="p14">
+  <mc:AlternateContent xmlns:mc="http://schemas.openxmlformats.org/markup-compatibility/2006" xmlns:p14="http://schemas.microsoft.com/office/powerpoint/2010/main">
+    <mc:Choice Requires="p14">
       <p:transition spd="slow">
         <p14:reveal/>
       </p:transition>
     </mc:Choice>
-    <mc:Fallback>
+    <mc:Fallback xmlns="">
       <p:transition spd="slow">
         <p:fade/>
       </p:transition>
@@ -4021,13 +4021,13 @@
   <p:clrMapOvr>
     <a:masterClrMapping/>
   </p:clrMapOvr>
-  <mc:AlternateContent xmlns:mc="http://schemas.openxmlformats.org/markup-compatibility/2006">
-    <mc:Choice xmlns:p14="http://schemas.microsoft.com/office/powerpoint/2010/main" Requires="p14">
+  <mc:AlternateContent xmlns:mc="http://schemas.openxmlformats.org/markup-compatibility/2006" xmlns:p14="http://schemas.microsoft.com/office/powerpoint/2010/main">
+    <mc:Choice Requires="p14">
       <p:transition spd="slow" p14:dur="4000">
         <p14:reveal/>
       </p:transition>
     </mc:Choice>
-    <mc:Fallback>
+    <mc:Fallback xmlns="">
       <p:transition spd="slow">
         <p:fade/>
       </p:transition>
@@ -4115,13 +4115,13 @@
   <p:clrMapOvr>
     <a:masterClrMapping/>
   </p:clrMapOvr>
-  <mc:AlternateContent xmlns:mc="http://schemas.openxmlformats.org/markup-compatibility/2006">
-    <mc:Choice xmlns:p14="http://schemas.microsoft.com/office/powerpoint/2010/main" Requires="p14">
+  <mc:AlternateContent xmlns:mc="http://schemas.openxmlformats.org/markup-compatibility/2006" xmlns:p14="http://schemas.microsoft.com/office/powerpoint/2010/main">
+    <mc:Choice Requires="p14">
       <p:transition spd="slow">
         <p14:reveal/>
       </p:transition>
     </mc:Choice>
-    <mc:Fallback>
+    <mc:Fallback xmlns="">
       <p:transition spd="slow">
         <p:fade/>
       </p:transition>
@@ -4239,11 +4239,11 @@
   <p:clrMapOvr>
     <a:masterClrMapping/>
   </p:clrMapOvr>
-  <mc:AlternateContent xmlns:mc="http://schemas.openxmlformats.org/markup-compatibility/2006">
-    <mc:Choice xmlns:p14="http://schemas.microsoft.com/office/powerpoint/2010/main" Requires="p14">
+  <mc:AlternateContent xmlns:mc="http://schemas.openxmlformats.org/markup-compatibility/2006" xmlns:p14="http://schemas.microsoft.com/office/powerpoint/2010/main">
+    <mc:Choice Requires="p14">
       <p:transition p14:dur="0"/>
     </mc:Choice>
-    <mc:Fallback>
+    <mc:Fallback xmlns="">
       <p:transition/>
     </mc:Fallback>
   </mc:AlternateContent>
@@ -4312,13 +4312,13 @@
   <p:clrMapOvr>
     <a:masterClrMapping/>
   </p:clrMapOvr>
-  <mc:AlternateContent xmlns:mc="http://schemas.openxmlformats.org/markup-compatibility/2006">
-    <mc:Choice xmlns:p14="http://schemas.microsoft.com/office/powerpoint/2010/main" Requires="p14">
+  <mc:AlternateContent xmlns:mc="http://schemas.openxmlformats.org/markup-compatibility/2006" xmlns:p14="http://schemas.microsoft.com/office/powerpoint/2010/main">
+    <mc:Choice Requires="p14">
       <p:transition spd="slow">
         <p14:reveal/>
       </p:transition>
     </mc:Choice>
-    <mc:Fallback>
+    <mc:Fallback xmlns="">
       <p:transition spd="slow">
         <p:fade/>
       </p:transition>
@@ -4410,7 +4410,6 @@
               <a:rPr lang="en-US" sz="2400" dirty="0" smtClean="0"/>
               <a:t>.</a:t>
             </a:r>
-            <a:endParaRPr lang="en-US" sz="2400" dirty="0" smtClean="0"/>
           </a:p>
           <a:p>
             <a:pPr marL="0" indent="0">
@@ -4418,15 +4417,7 @@
             </a:pPr>
             <a:r>
               <a:rPr lang="ru-RU" sz="2400" dirty="0" smtClean="0"/>
-              <a:t>Для предварительной обработки данных и </a:t>
-            </a:r>
-            <a:r>
-              <a:rPr lang="ru-RU" sz="2400" dirty="0" smtClean="0"/>
-              <a:t>их передачи </a:t>
-            </a:r>
-            <a:r>
-              <a:rPr lang="ru-RU" sz="2400" dirty="0" smtClean="0"/>
-              <a:t>на БД используется </a:t>
+              <a:t>Для предварительной обработки данных и их передачи на БД используется </a:t>
             </a:r>
             <a:r>
               <a:rPr lang="en-US" sz="2400" dirty="0" smtClean="0"/>
@@ -4440,19 +4431,7 @@
             </a:pPr>
             <a:r>
               <a:rPr lang="ru-RU" sz="2400" dirty="0" smtClean="0"/>
-              <a:t>Окончательн</a:t>
-            </a:r>
-            <a:r>
-              <a:rPr lang="ru-RU" sz="2400" dirty="0" smtClean="0"/>
-              <a:t>ое</a:t>
-            </a:r>
-            <a:r>
-              <a:rPr lang="ru-RU" sz="2400" dirty="0" smtClean="0"/>
-              <a:t> формирование отчетов </a:t>
-            </a:r>
-            <a:r>
-              <a:rPr lang="ru-RU" sz="2400" dirty="0" smtClean="0"/>
-              <a:t>происходит на БД.</a:t>
+              <a:t>Окончательное формирование отчетов происходит на БД.</a:t>
             </a:r>
             <a:endParaRPr lang="en-US" sz="2400" dirty="0" smtClean="0"/>
           </a:p>
@@ -4474,13 +4453,13 @@
   <p:clrMapOvr>
     <a:masterClrMapping/>
   </p:clrMapOvr>
-  <mc:AlternateContent xmlns:mc="http://schemas.openxmlformats.org/markup-compatibility/2006">
-    <mc:Choice xmlns:p14="http://schemas.microsoft.com/office/powerpoint/2010/main" Requires="p14">
+  <mc:AlternateContent xmlns:mc="http://schemas.openxmlformats.org/markup-compatibility/2006" xmlns:p14="http://schemas.microsoft.com/office/powerpoint/2010/main">
+    <mc:Choice Requires="p14">
       <p:transition spd="slow">
         <p14:reveal/>
       </p:transition>
     </mc:Choice>
-    <mc:Fallback>
+    <mc:Fallback xmlns="">
       <p:transition spd="slow">
         <p:fade/>
       </p:transition>
@@ -4566,13 +4545,13 @@
   <p:clrMapOvr>
     <a:masterClrMapping/>
   </p:clrMapOvr>
-  <mc:AlternateContent xmlns:mc="http://schemas.openxmlformats.org/markup-compatibility/2006">
-    <mc:Choice xmlns:p14="http://schemas.microsoft.com/office/powerpoint/2010/main" Requires="p14">
+  <mc:AlternateContent xmlns:mc="http://schemas.openxmlformats.org/markup-compatibility/2006" xmlns:p14="http://schemas.microsoft.com/office/powerpoint/2010/main">
+    <mc:Choice Requires="p14">
       <p:transition spd="slow">
         <p14:reveal/>
       </p:transition>
     </mc:Choice>
-    <mc:Fallback>
+    <mc:Fallback xmlns="">
       <p:transition spd="slow">
         <p:fade/>
       </p:transition>
@@ -4607,7 +4586,7 @@
       </p:grpSpPr>
       <p:pic>
         <p:nvPicPr>
-          <p:cNvPr id="1027" name="Picture 3" descr="D:\finatl_ETL\Project\docs\1.jpg"/>
+          <p:cNvPr id="2" name="Picture 3" descr="C:\Users\Сергей\final_etl_project_for_sber\docs\2.jpg"/>
           <p:cNvPicPr>
             <a:picLocks noChangeAspect="1" noChangeArrowheads="1"/>
           </p:cNvPicPr>
@@ -4628,8 +4607,8 @@
         </p:blipFill>
         <p:spPr bwMode="auto">
           <a:xfrm>
-            <a:off x="-2" y="123478"/>
-            <a:ext cx="5580111" cy="3760731"/>
+            <a:off x="4413947" y="483518"/>
+            <a:ext cx="4529013" cy="4878024"/>
           </a:xfrm>
           <a:prstGeom prst="rect">
             <a:avLst/>
@@ -4648,7 +4627,7 @@
       </p:pic>
       <p:pic>
         <p:nvPicPr>
-          <p:cNvPr id="1028" name="Picture 4" descr="D:\finatl_ETL\Project\docs\2.jpg"/>
+          <p:cNvPr id="1026" name="Picture 2" descr="C:\Users\Сергей\final_etl_project_for_sber\docs\1.jpg"/>
           <p:cNvPicPr>
             <a:picLocks noChangeAspect="1" noChangeArrowheads="1"/>
           </p:cNvPicPr>
@@ -4669,8 +4648,8 @@
         </p:blipFill>
         <p:spPr bwMode="auto">
           <a:xfrm>
-            <a:off x="4139952" y="432048"/>
-            <a:ext cx="4843686" cy="4722275"/>
+            <a:off x="1" y="174752"/>
+            <a:ext cx="4499992" cy="4217736"/>
           </a:xfrm>
           <a:prstGeom prst="rect">
             <a:avLst/>
@@ -4695,7 +4674,7 @@
         </p:nvSpPr>
         <p:spPr>
           <a:xfrm>
-            <a:off x="2555776" y="3939902"/>
+            <a:off x="2843808" y="4248472"/>
             <a:ext cx="360040" cy="288032"/>
           </a:xfrm>
           <a:prstGeom prst="ellipse">
@@ -4728,46 +4707,15 @@
           </a:p>
         </p:txBody>
       </p:sp>
-      <p:cxnSp>
-        <p:nvCxnSpPr>
-          <p:cNvPr id="6" name="Прямая соединительная линия 5"/>
-          <p:cNvCxnSpPr/>
+      <p:sp>
+        <p:nvSpPr>
+          <p:cNvPr id="15" name="Овал 14"/>
+          <p:cNvSpPr/>
           <p:nvPr/>
-        </p:nvCxnSpPr>
+        </p:nvSpPr>
         <p:spPr>
           <a:xfrm>
-            <a:off x="4139952" y="3399842"/>
-            <a:ext cx="0" cy="684076"/>
-          </a:xfrm>
-          <a:prstGeom prst="line">
-            <a:avLst/>
-          </a:prstGeom>
-          <a:ln w="12700"/>
-        </p:spPr>
-        <p:style>
-          <a:lnRef idx="1">
-            <a:schemeClr val="dk1"/>
-          </a:lnRef>
-          <a:fillRef idx="0">
-            <a:schemeClr val="dk1"/>
-          </a:fillRef>
-          <a:effectRef idx="0">
-            <a:schemeClr val="dk1"/>
-          </a:effectRef>
-          <a:fontRef idx="minor">
-            <a:schemeClr val="tx1"/>
-          </a:fontRef>
-        </p:style>
-      </p:cxnSp>
-      <p:sp>
-        <p:nvSpPr>
-          <p:cNvPr id="14" name="Овал 13"/>
-          <p:cNvSpPr/>
-          <p:nvPr/>
-        </p:nvSpPr>
-        <p:spPr>
-          <a:xfrm>
-            <a:off x="3959932" y="4033529"/>
+            <a:off x="7297216" y="195486"/>
             <a:ext cx="360040" cy="288032"/>
           </a:xfrm>
           <a:prstGeom prst="ellipse">
@@ -4795,129 +4743,11 @@
             <a:pPr algn="ctr"/>
             <a:r>
               <a:rPr lang="ru-RU" sz="1400" dirty="0"/>
-              <a:t>2</a:t>
-            </a:r>
-          </a:p>
-        </p:txBody>
-      </p:sp>
-      <p:sp>
-        <p:nvSpPr>
-          <p:cNvPr id="15" name="Овал 14"/>
-          <p:cNvSpPr/>
-          <p:nvPr/>
-        </p:nvSpPr>
-        <p:spPr>
-          <a:xfrm>
-            <a:off x="6381775" y="123478"/>
-            <a:ext cx="360040" cy="288032"/>
-          </a:xfrm>
-          <a:prstGeom prst="ellipse">
-            <a:avLst/>
-          </a:prstGeom>
-        </p:spPr>
-        <p:style>
-          <a:lnRef idx="2">
-            <a:schemeClr val="accent6"/>
-          </a:lnRef>
-          <a:fillRef idx="1">
-            <a:schemeClr val="lt1"/>
-          </a:fillRef>
-          <a:effectRef idx="0">
-            <a:schemeClr val="accent6"/>
-          </a:effectRef>
-          <a:fontRef idx="minor">
-            <a:schemeClr val="dk1"/>
-          </a:fontRef>
-        </p:style>
-        <p:txBody>
-          <a:bodyPr rtlCol="0" anchor="ctr"/>
-          <a:lstStyle/>
-          <a:p>
-            <a:pPr algn="ctr"/>
-            <a:r>
-              <a:rPr lang="ru-RU" sz="1400" dirty="0"/>
               <a:t>1</a:t>
             </a:r>
           </a:p>
         </p:txBody>
       </p:sp>
-      <p:sp>
-        <p:nvSpPr>
-          <p:cNvPr id="16" name="Овал 15"/>
-          <p:cNvSpPr/>
-          <p:nvPr/>
-        </p:nvSpPr>
-        <p:spPr>
-          <a:xfrm>
-            <a:off x="8100392" y="144016"/>
-            <a:ext cx="360040" cy="288032"/>
-          </a:xfrm>
-          <a:prstGeom prst="ellipse">
-            <a:avLst/>
-          </a:prstGeom>
-        </p:spPr>
-        <p:style>
-          <a:lnRef idx="2">
-            <a:schemeClr val="accent6"/>
-          </a:lnRef>
-          <a:fillRef idx="1">
-            <a:schemeClr val="lt1"/>
-          </a:fillRef>
-          <a:effectRef idx="0">
-            <a:schemeClr val="accent6"/>
-          </a:effectRef>
-          <a:fontRef idx="minor">
-            <a:schemeClr val="dk1"/>
-          </a:fontRef>
-        </p:style>
-        <p:txBody>
-          <a:bodyPr rtlCol="0" anchor="ctr"/>
-          <a:lstStyle/>
-          <a:p>
-            <a:pPr algn="ctr"/>
-            <a:r>
-              <a:rPr lang="ru-RU" sz="1400" dirty="0"/>
-              <a:t>2</a:t>
-            </a:r>
-          </a:p>
-        </p:txBody>
-      </p:sp>
-      <p:cxnSp>
-        <p:nvCxnSpPr>
-          <p:cNvPr id="3" name="Прямая со стрелкой 2"/>
-          <p:cNvCxnSpPr/>
-          <p:nvPr/>
-        </p:nvCxnSpPr>
-        <p:spPr>
-          <a:xfrm flipV="1">
-            <a:off x="8287333" y="432048"/>
-            <a:ext cx="0" cy="51470"/>
-          </a:xfrm>
-          <a:prstGeom prst="straightConnector1">
-            <a:avLst/>
-          </a:prstGeom>
-          <a:ln>
-            <a:solidFill>
-              <a:schemeClr val="tx1"/>
-            </a:solidFill>
-            <a:tailEnd type="triangle"/>
-          </a:ln>
-        </p:spPr>
-        <p:style>
-          <a:lnRef idx="1">
-            <a:schemeClr val="accent1"/>
-          </a:lnRef>
-          <a:fillRef idx="0">
-            <a:schemeClr val="accent1"/>
-          </a:fillRef>
-          <a:effectRef idx="0">
-            <a:schemeClr val="accent1"/>
-          </a:effectRef>
-          <a:fontRef idx="minor">
-            <a:schemeClr val="tx1"/>
-          </a:fontRef>
-        </p:style>
-      </p:cxnSp>
     </p:spTree>
     <p:extLst>
       <p:ext uri="{BB962C8B-B14F-4D97-AF65-F5344CB8AC3E}">
@@ -4928,11 +4758,11 @@
   <p:clrMapOvr>
     <a:masterClrMapping/>
   </p:clrMapOvr>
-  <mc:AlternateContent xmlns:mc="http://schemas.openxmlformats.org/markup-compatibility/2006">
-    <mc:Choice xmlns:p14="http://schemas.microsoft.com/office/powerpoint/2010/main" Requires="p14">
+  <mc:AlternateContent xmlns:mc="http://schemas.openxmlformats.org/markup-compatibility/2006" xmlns:p14="http://schemas.microsoft.com/office/powerpoint/2010/main">
+    <mc:Choice Requires="p14">
       <p:transition p14:dur="0"/>
     </mc:Choice>
-    <mc:Fallback>
+    <mc:Fallback xmlns="">
       <p:transition/>
     </mc:Fallback>
   </mc:AlternateContent>
@@ -5148,7 +4978,18 @@
                   </a:schemeClr>
                 </a:solidFill>
               </a:rPr>
-              <a:t>стиле </a:t>
+              <a:t>стиле для проверки работы </a:t>
+            </a:r>
+            <a:r>
+              <a:rPr lang="en-US" i="1" dirty="0" smtClean="0">
+                <a:solidFill>
+                  <a:schemeClr val="tx1">
+                    <a:lumMod val="65000"/>
+                    <a:lumOff val="35000"/>
+                  </a:schemeClr>
+                </a:solidFill>
+              </a:rPr>
+              <a:t>PL</a:t>
             </a:r>
             <a:r>
               <a:rPr lang="ru-RU" i="1" dirty="0" smtClean="0">
@@ -5159,7 +5000,18 @@
                   </a:schemeClr>
                 </a:solidFill>
               </a:rPr>
-              <a:t>для </a:t>
+              <a:t>/</a:t>
+            </a:r>
+            <a:r>
+              <a:rPr lang="en-US" i="1" dirty="0" smtClean="0">
+                <a:solidFill>
+                  <a:schemeClr val="tx1">
+                    <a:lumMod val="65000"/>
+                    <a:lumOff val="35000"/>
+                  </a:schemeClr>
+                </a:solidFill>
+              </a:rPr>
+              <a:t>SQL</a:t>
             </a:r>
             <a:r>
               <a:rPr lang="ru-RU" i="1" dirty="0" smtClean="0">
@@ -5170,7 +5022,20 @@
                   </a:schemeClr>
                 </a:solidFill>
               </a:rPr>
-              <a:t>проверки работы </a:t>
+              <a:t>-процедур</a:t>
+            </a:r>
+          </a:p>
+          <a:p>
+            <a:r>
+              <a:rPr lang="ru-RU" i="1" dirty="0" smtClean="0">
+                <a:solidFill>
+                  <a:schemeClr val="tx1">
+                    <a:lumMod val="65000"/>
+                    <a:lumOff val="35000"/>
+                  </a:schemeClr>
+                </a:solidFill>
+              </a:rPr>
+              <a:t>Дальнейшее упрощение </a:t>
             </a:r>
             <a:r>
               <a:rPr lang="en-US" i="1" dirty="0" smtClean="0">
@@ -5181,7 +5046,7 @@
                   </a:schemeClr>
                 </a:solidFill>
               </a:rPr>
-              <a:t>PL</a:t>
+              <a:t>Pl/SQL</a:t>
             </a:r>
             <a:r>
               <a:rPr lang="ru-RU" i="1" dirty="0" smtClean="0">
@@ -5192,7 +5057,20 @@
                   </a:schemeClr>
                 </a:solidFill>
               </a:rPr>
-              <a:t>/</a:t>
+              <a:t>-пакета</a:t>
+            </a:r>
+          </a:p>
+          <a:p>
+            <a:r>
+              <a:rPr lang="ru-RU" i="1" dirty="0" smtClean="0">
+                <a:solidFill>
+                  <a:schemeClr val="tx1">
+                    <a:lumMod val="65000"/>
+                    <a:lumOff val="35000"/>
+                  </a:schemeClr>
+                </a:solidFill>
+              </a:rPr>
+              <a:t>Перенос </a:t>
             </a:r>
             <a:r>
               <a:rPr lang="en-US" i="1" dirty="0" smtClean="0">
@@ -5203,7 +5081,7 @@
                   </a:schemeClr>
                 </a:solidFill>
               </a:rPr>
-              <a:t>SQL</a:t>
+              <a:t>Python-</a:t>
             </a:r>
             <a:r>
               <a:rPr lang="ru-RU" i="1" dirty="0" smtClean="0">
@@ -5214,97 +5092,8 @@
                   </a:schemeClr>
                 </a:solidFill>
               </a:rPr>
-              <a:t>-процедур</a:t>
-            </a:r>
-          </a:p>
-          <a:p>
-            <a:r>
-              <a:rPr lang="ru-RU" i="1" dirty="0" smtClean="0">
-                <a:solidFill>
-                  <a:schemeClr val="tx1">
-                    <a:lumMod val="65000"/>
-                    <a:lumOff val="35000"/>
-                  </a:schemeClr>
-                </a:solidFill>
-              </a:rPr>
-              <a:t>Дальнейшее упрощение </a:t>
-            </a:r>
-            <a:r>
-              <a:rPr lang="en-US" i="1" dirty="0" smtClean="0">
-                <a:solidFill>
-                  <a:schemeClr val="tx1">
-                    <a:lumMod val="65000"/>
-                    <a:lumOff val="35000"/>
-                  </a:schemeClr>
-                </a:solidFill>
-              </a:rPr>
-              <a:t>Pl/SQL</a:t>
-            </a:r>
-            <a:r>
-              <a:rPr lang="ru-RU" i="1" dirty="0" smtClean="0">
-                <a:solidFill>
-                  <a:schemeClr val="tx1">
-                    <a:lumMod val="65000"/>
-                    <a:lumOff val="35000"/>
-                  </a:schemeClr>
-                </a:solidFill>
-              </a:rPr>
-              <a:t>-пакета</a:t>
-            </a:r>
-          </a:p>
-          <a:p>
-            <a:r>
-              <a:rPr lang="ru-RU" i="1" dirty="0" smtClean="0">
-                <a:solidFill>
-                  <a:schemeClr val="tx1">
-                    <a:lumMod val="65000"/>
-                    <a:lumOff val="35000"/>
-                  </a:schemeClr>
-                </a:solidFill>
-              </a:rPr>
-              <a:t>Перенос </a:t>
-            </a:r>
-            <a:r>
-              <a:rPr lang="en-US" i="1" dirty="0" smtClean="0">
-                <a:solidFill>
-                  <a:schemeClr val="tx1">
-                    <a:lumMod val="65000"/>
-                    <a:lumOff val="35000"/>
-                  </a:schemeClr>
-                </a:solidFill>
-              </a:rPr>
-              <a:t>Python-</a:t>
-            </a:r>
-            <a:r>
-              <a:rPr lang="ru-RU" i="1" dirty="0" smtClean="0">
-                <a:solidFill>
-                  <a:schemeClr val="tx1">
-                    <a:lumMod val="65000"/>
-                    <a:lumOff val="35000"/>
-                  </a:schemeClr>
-                </a:solidFill>
-              </a:rPr>
-              <a:t>скрипта на </a:t>
-            </a:r>
-            <a:r>
-              <a:rPr lang="ru-RU" i="1" dirty="0" smtClean="0">
-                <a:solidFill>
-                  <a:schemeClr val="tx1">
-                    <a:lumMod val="65000"/>
-                    <a:lumOff val="35000"/>
-                  </a:schemeClr>
-                </a:solidFill>
-              </a:rPr>
-              <a:t>ООП</a:t>
-            </a:r>
-            <a:endParaRPr lang="ru-RU" i="1" dirty="0" smtClean="0">
-              <a:solidFill>
-                <a:schemeClr val="tx1">
-                  <a:lumMod val="65000"/>
-                  <a:lumOff val="35000"/>
-                </a:schemeClr>
-              </a:solidFill>
-            </a:endParaRPr>
+              <a:t>скрипта на ООП</a:t>
+            </a:r>
           </a:p>
           <a:p>
             <a:r>
@@ -5530,14 +5319,6 @@
               </a:rPr>
               <a:t>-логгера</a:t>
             </a:r>
-            <a:endParaRPr lang="ru-RU" i="1" dirty="0" smtClean="0">
-              <a:solidFill>
-                <a:schemeClr val="tx1">
-                  <a:lumMod val="65000"/>
-                  <a:lumOff val="35000"/>
-                </a:schemeClr>
-              </a:solidFill>
-            </a:endParaRPr>
           </a:p>
           <a:p>
             <a:r>
@@ -5551,14 +5332,6 @@
               </a:rPr>
               <a:t>Составление пользовательской документации</a:t>
             </a:r>
-            <a:endParaRPr lang="ru-RU" i="1" dirty="0" smtClean="0">
-              <a:solidFill>
-                <a:schemeClr val="tx1">
-                  <a:lumMod val="65000"/>
-                  <a:lumOff val="35000"/>
-                </a:schemeClr>
-              </a:solidFill>
-            </a:endParaRPr>
           </a:p>
         </p:txBody>
       </p:sp>
@@ -5572,13 +5345,13 @@
   <p:clrMapOvr>
     <a:masterClrMapping/>
   </p:clrMapOvr>
-  <mc:AlternateContent xmlns:mc="http://schemas.openxmlformats.org/markup-compatibility/2006">
-    <mc:Choice xmlns:p14="http://schemas.microsoft.com/office/powerpoint/2010/main" Requires="p14">
+  <mc:AlternateContent xmlns:mc="http://schemas.openxmlformats.org/markup-compatibility/2006" xmlns:p14="http://schemas.microsoft.com/office/powerpoint/2010/main">
+    <mc:Choice Requires="p14">
       <p:transition spd="slow">
         <p14:reveal/>
       </p:transition>
     </mc:Choice>
-    <mc:Fallback>
+    <mc:Fallback xmlns="">
       <p:transition spd="slow">
         <p:fade/>
       </p:transition>
@@ -5666,13 +5439,13 @@
   <p:clrMapOvr>
     <a:masterClrMapping/>
   </p:clrMapOvr>
-  <mc:AlternateContent xmlns:mc="http://schemas.openxmlformats.org/markup-compatibility/2006">
-    <mc:Choice xmlns:p14="http://schemas.microsoft.com/office/powerpoint/2010/main" Requires="p14">
+  <mc:AlternateContent xmlns:mc="http://schemas.openxmlformats.org/markup-compatibility/2006" xmlns:p14="http://schemas.microsoft.com/office/powerpoint/2010/main">
+    <mc:Choice Requires="p14">
       <p:transition spd="slow">
         <p14:reveal/>
       </p:transition>
     </mc:Choice>
-    <mc:Fallback>
+    <mc:Fallback xmlns="">
       <p:transition spd="slow">
         <p:fade/>
       </p:transition>
@@ -5794,11 +5567,11 @@
   <p:clrMapOvr>
     <a:masterClrMapping/>
   </p:clrMapOvr>
-  <mc:AlternateContent xmlns:mc="http://schemas.openxmlformats.org/markup-compatibility/2006">
-    <mc:Choice xmlns:p14="http://schemas.microsoft.com/office/powerpoint/2010/main" Requires="p14">
+  <mc:AlternateContent xmlns:mc="http://schemas.openxmlformats.org/markup-compatibility/2006" xmlns:p14="http://schemas.microsoft.com/office/powerpoint/2010/main">
+    <mc:Choice Requires="p14">
       <p:transition p14:dur="0"/>
     </mc:Choice>
-    <mc:Fallback>
+    <mc:Fallback xmlns="">
       <p:transition/>
     </mc:Fallback>
   </mc:AlternateContent>
@@ -5948,14 +5721,6 @@
               </a:rPr>
               <a:t>GTT</a:t>
             </a:r>
-            <a:endParaRPr lang="en-US" i="1" dirty="0" smtClean="0">
-              <a:solidFill>
-                <a:schemeClr val="tx1">
-                  <a:lumMod val="65000"/>
-                  <a:lumOff val="35000"/>
-                </a:schemeClr>
-              </a:solidFill>
-            </a:endParaRPr>
           </a:p>
           <a:p>
             <a:r>
@@ -6119,13 +5884,13 @@
   <p:clrMapOvr>
     <a:masterClrMapping/>
   </p:clrMapOvr>
-  <mc:AlternateContent xmlns:mc="http://schemas.openxmlformats.org/markup-compatibility/2006">
-    <mc:Choice xmlns:p14="http://schemas.microsoft.com/office/powerpoint/2010/main" Requires="p14">
+  <mc:AlternateContent xmlns:mc="http://schemas.openxmlformats.org/markup-compatibility/2006" xmlns:p14="http://schemas.microsoft.com/office/powerpoint/2010/main">
+    <mc:Choice Requires="p14">
       <p:transition spd="slow">
         <p14:reveal/>
       </p:transition>
     </mc:Choice>
-    <mc:Fallback>
+    <mc:Fallback xmlns="">
       <p:transition spd="slow">
         <p:fade/>
       </p:transition>
@@ -6282,7 +6047,51 @@
                   </a:schemeClr>
                 </a:solidFill>
               </a:rPr>
-              <a:t> и </a:t>
+              <a:t> и библиотек </a:t>
+            </a:r>
+            <a:r>
+              <a:rPr lang="ru-RU" sz="2000" i="1" dirty="0" err="1" smtClean="0">
+                <a:solidFill>
+                  <a:schemeClr val="tx1">
+                    <a:lumMod val="65000"/>
+                    <a:lumOff val="35000"/>
+                  </a:schemeClr>
+                </a:solidFill>
+              </a:rPr>
+              <a:t>Pandas</a:t>
+            </a:r>
+            <a:r>
+              <a:rPr lang="en-US" sz="2000" i="1" dirty="0">
+                <a:solidFill>
+                  <a:schemeClr val="tx1">
+                    <a:lumMod val="65000"/>
+                    <a:lumOff val="35000"/>
+                  </a:schemeClr>
+                </a:solidFill>
+              </a:rPr>
+              <a:t>,</a:t>
+            </a:r>
+            <a:r>
+              <a:rPr lang="ru-RU" sz="2000" i="1" dirty="0" smtClean="0">
+                <a:solidFill>
+                  <a:schemeClr val="tx1">
+                    <a:lumMod val="65000"/>
+                    <a:lumOff val="35000"/>
+                  </a:schemeClr>
+                </a:solidFill>
+              </a:rPr>
+              <a:t> </a:t>
+            </a:r>
+            <a:r>
+              <a:rPr lang="en-US" sz="2000" i="1" dirty="0" err="1">
+                <a:solidFill>
+                  <a:schemeClr val="tx1">
+                    <a:lumMod val="65000"/>
+                    <a:lumOff val="35000"/>
+                  </a:schemeClr>
+                </a:solidFill>
+              </a:rPr>
+              <a:t>PDFKit</a:t>
             </a:r>
             <a:r>
               <a:rPr lang="ru-RU" sz="2000" i="1" dirty="0">
@@ -6293,73 +6102,7 @@
                   </a:schemeClr>
                 </a:solidFill>
               </a:rPr>
-              <a:t>библиотек </a:t>
-            </a:r>
-            <a:r>
-              <a:rPr lang="ru-RU" sz="2000" i="1" dirty="0" err="1" smtClean="0">
-                <a:solidFill>
-                  <a:schemeClr val="tx1">
-                    <a:lumMod val="65000"/>
-                    <a:lumOff val="35000"/>
-                  </a:schemeClr>
-                </a:solidFill>
-              </a:rPr>
-              <a:t>Pandas</a:t>
-            </a:r>
-            <a:r>
-              <a:rPr lang="en-US" sz="2000" i="1" dirty="0">
-                <a:solidFill>
-                  <a:schemeClr val="tx1">
-                    <a:lumMod val="65000"/>
-                    <a:lumOff val="35000"/>
-                  </a:schemeClr>
-                </a:solidFill>
-              </a:rPr>
-              <a:t>,</a:t>
-            </a:r>
-            <a:r>
-              <a:rPr lang="ru-RU" sz="2000" i="1" dirty="0" smtClean="0">
-                <a:solidFill>
-                  <a:schemeClr val="tx1">
-                    <a:lumMod val="65000"/>
-                    <a:lumOff val="35000"/>
-                  </a:schemeClr>
-                </a:solidFill>
-              </a:rPr>
-              <a:t> </a:t>
-            </a:r>
-            <a:r>
-              <a:rPr lang="en-US" sz="2000" i="1" dirty="0" err="1">
-                <a:solidFill>
-                  <a:schemeClr val="tx1">
-                    <a:lumMod val="65000"/>
-                    <a:lumOff val="35000"/>
-                  </a:schemeClr>
-                </a:solidFill>
-              </a:rPr>
-              <a:t>PDFKit</a:t>
-            </a:r>
-            <a:r>
-              <a:rPr lang="ru-RU" sz="2000" i="1" dirty="0">
-                <a:solidFill>
-                  <a:schemeClr val="tx1">
-                    <a:lumMod val="65000"/>
-                    <a:lumOff val="35000"/>
-                  </a:schemeClr>
-                </a:solidFill>
-              </a:rPr>
-              <a:t> </a:t>
-            </a:r>
-            <a:r>
-              <a:rPr lang="ru-RU" sz="2000" i="1" dirty="0">
-                <a:solidFill>
-                  <a:schemeClr val="tx1">
-                    <a:lumMod val="65000"/>
-                    <a:lumOff val="35000"/>
-                  </a:schemeClr>
-                </a:solidFill>
-              </a:rPr>
-              <a:t>для создания отчетов</a:t>
+              <a:t> для создания отчетов</a:t>
             </a:r>
           </a:p>
           <a:p>
@@ -6450,27 +6193,8 @@
                   </a:schemeClr>
                 </a:solidFill>
               </a:rPr>
-              <a:t>инкапсуляция </a:t>
-            </a:r>
-            <a:r>
-              <a:rPr lang="ru-RU" sz="2000" i="1" dirty="0">
-                <a:solidFill>
-                  <a:schemeClr val="tx1">
-                    <a:lumMod val="65000"/>
-                    <a:lumOff val="35000"/>
-                  </a:schemeClr>
-                </a:solidFill>
-              </a:rPr>
-              <a:t>PL/SQL-процедур</a:t>
-            </a:r>
-            <a:endParaRPr lang="ru-RU" sz="2000" i="1" dirty="0">
-              <a:solidFill>
-                <a:schemeClr val="tx1">
-                  <a:lumMod val="65000"/>
-                  <a:lumOff val="35000"/>
-                </a:schemeClr>
-              </a:solidFill>
-            </a:endParaRPr>
+              <a:t>инкапсуляция PL/SQL-процедур</a:t>
+            </a:r>
           </a:p>
           <a:p>
             <a:pPr>
@@ -6521,13 +6245,13 @@
   <p:clrMapOvr>
     <a:masterClrMapping/>
   </p:clrMapOvr>
-  <mc:AlternateContent xmlns:mc="http://schemas.openxmlformats.org/markup-compatibility/2006">
-    <mc:Choice xmlns:p14="http://schemas.microsoft.com/office/powerpoint/2010/main" Requires="p14">
+  <mc:AlternateContent xmlns:mc="http://schemas.openxmlformats.org/markup-compatibility/2006" xmlns:p14="http://schemas.microsoft.com/office/powerpoint/2010/main">
+    <mc:Choice Requires="p14">
       <p:transition spd="slow">
         <p14:reveal/>
       </p:transition>
     </mc:Choice>
-    <mc:Fallback>
+    <mc:Fallback xmlns="">
       <p:transition spd="slow">
         <p:fade/>
       </p:transition>
